--- a/School presentatie/Escape_room_taxi_projectxp.pptx
+++ b/School presentatie/Escape_room_taxi_projectxp.pptx
@@ -5,16 +5,17 @@
     <p:sldMasterId id="2147483648" r:id="rId4"/>
   </p:sldMasterIdLst>
   <p:notesMasterIdLst>
-    <p:notesMasterId r:id="rId9"/>
+    <p:notesMasterId r:id="rId10"/>
   </p:notesMasterIdLst>
   <p:handoutMasterIdLst>
-    <p:handoutMasterId r:id="rId10"/>
+    <p:handoutMasterId r:id="rId11"/>
   </p:handoutMasterIdLst>
   <p:sldIdLst>
     <p:sldId id="267" r:id="rId5"/>
-    <p:sldId id="268" r:id="rId6"/>
-    <p:sldId id="269" r:id="rId7"/>
-    <p:sldId id="270" r:id="rId8"/>
+    <p:sldId id="271" r:id="rId6"/>
+    <p:sldId id="272" r:id="rId7"/>
+    <p:sldId id="269" r:id="rId8"/>
+    <p:sldId id="270" r:id="rId9"/>
   </p:sldIdLst>
   <p:sldSz cx="12192000" cy="6858000"/>
   <p:notesSz cx="6858000" cy="9144000"/>
@@ -208,7 +209,7 @@
             <a:pPr rtl="0"/>
             <a:fld id="{4D5CBF20-8CAD-468D-A237-30B793FCDFFC}" type="datetime1">
               <a:rPr lang="fr-FR" smtClean="0"/>
-              <a:t>16/02/2023</a:t>
+              <a:t>09/03/2023</a:t>
             </a:fld>
             <a:endParaRPr lang="fr-FR"/>
           </a:p>
@@ -378,7 +379,7 @@
             <a:pPr rtl="0"/>
             <a:fld id="{5E6097B8-5A5F-4934-BCE0-7D20EB7D9BD6}" type="datetime1">
               <a:rPr lang="fr-FR" noProof="0" smtClean="0"/>
-              <a:t>16/02/2023</a:t>
+              <a:t>09/03/2023</a:t>
             </a:fld>
             <a:endParaRPr lang="fr-FR" noProof="0"/>
           </a:p>
@@ -735,6 +736,190 @@
 </p:notes>
 </file>
 
+<file path=ppt/notesSlides/notesSlide2.xml><?xml version="1.0" encoding="utf-8"?>
+<p:notes xmlns:a="http://schemas.openxmlformats.org/drawingml/2006/main" xmlns:r="http://schemas.openxmlformats.org/officeDocument/2006/relationships" xmlns:p="http://schemas.openxmlformats.org/presentationml/2006/main">
+  <p:cSld>
+    <p:spTree>
+      <p:nvGrpSpPr>
+        <p:cNvPr id="1" name=""/>
+        <p:cNvGrpSpPr/>
+        <p:nvPr/>
+      </p:nvGrpSpPr>
+      <p:grpSpPr>
+        <a:xfrm>
+          <a:off x="0" y="0"/>
+          <a:ext cx="0" cy="0"/>
+          <a:chOff x="0" y="0"/>
+          <a:chExt cx="0" cy="0"/>
+        </a:xfrm>
+      </p:grpSpPr>
+      <p:sp>
+        <p:nvSpPr>
+          <p:cNvPr id="2" name="Tijdelijke aanduiding voor dia-afbeelding 1"/>
+          <p:cNvSpPr>
+            <a:spLocks noGrp="1" noRot="1" noChangeAspect="1"/>
+          </p:cNvSpPr>
+          <p:nvPr>
+            <p:ph type="sldImg"/>
+          </p:nvPr>
+        </p:nvSpPr>
+        <p:spPr/>
+      </p:sp>
+      <p:sp>
+        <p:nvSpPr>
+          <p:cNvPr id="3" name="Tijdelijke aanduiding voor notities 2"/>
+          <p:cNvSpPr>
+            <a:spLocks noGrp="1"/>
+          </p:cNvSpPr>
+          <p:nvPr>
+            <p:ph type="body" idx="1"/>
+          </p:nvPr>
+        </p:nvSpPr>
+        <p:spPr/>
+        <p:txBody>
+          <a:bodyPr/>
+          <a:lstStyle/>
+          <a:p>
+            <a:r>
+              <a:rPr lang="nl-BE" dirty="0"/>
+              <a:t>Het eerste project waar we aan werkten is de taxi. De bedoeling was dat deze taxi op een aangegeven moment begin te stuiteren op zijn achterwielen, te toeteren en begint te knipperen met de lichten. </a:t>
+            </a:r>
+          </a:p>
+        </p:txBody>
+      </p:sp>
+      <p:sp>
+        <p:nvSpPr>
+          <p:cNvPr id="4" name="Tijdelijke aanduiding voor dianummer 3"/>
+          <p:cNvSpPr>
+            <a:spLocks noGrp="1"/>
+          </p:cNvSpPr>
+          <p:nvPr>
+            <p:ph type="sldNum" sz="quarter" idx="5"/>
+          </p:nvPr>
+        </p:nvSpPr>
+        <p:spPr/>
+        <p:txBody>
+          <a:bodyPr/>
+          <a:lstStyle/>
+          <a:p>
+            <a:pPr rtl="0"/>
+            <a:fld id="{62B46F2B-1084-40BA-9F0A-B1F6847335C5}" type="slidenum">
+              <a:rPr lang="fr-FR" noProof="0" smtClean="0"/>
+              <a:t>2</a:t>
+            </a:fld>
+            <a:endParaRPr lang="fr-FR" noProof="0"/>
+          </a:p>
+        </p:txBody>
+      </p:sp>
+    </p:spTree>
+    <p:extLst>
+      <p:ext uri="{BB962C8B-B14F-4D97-AF65-F5344CB8AC3E}">
+        <p14:creationId xmlns:p14="http://schemas.microsoft.com/office/powerpoint/2010/main" val="2248530251"/>
+      </p:ext>
+    </p:extLst>
+  </p:cSld>
+  <p:clrMapOvr>
+    <a:masterClrMapping/>
+  </p:clrMapOvr>
+</p:notes>
+</file>
+
+<file path=ppt/notesSlides/notesSlide3.xml><?xml version="1.0" encoding="utf-8"?>
+<p:notes xmlns:a="http://schemas.openxmlformats.org/drawingml/2006/main" xmlns:r="http://schemas.openxmlformats.org/officeDocument/2006/relationships" xmlns:p="http://schemas.openxmlformats.org/presentationml/2006/main">
+  <p:cSld>
+    <p:spTree>
+      <p:nvGrpSpPr>
+        <p:cNvPr id="1" name=""/>
+        <p:cNvGrpSpPr/>
+        <p:nvPr/>
+      </p:nvGrpSpPr>
+      <p:grpSpPr>
+        <a:xfrm>
+          <a:off x="0" y="0"/>
+          <a:ext cx="0" cy="0"/>
+          <a:chOff x="0" y="0"/>
+          <a:chExt cx="0" cy="0"/>
+        </a:xfrm>
+      </p:grpSpPr>
+      <p:sp>
+        <p:nvSpPr>
+          <p:cNvPr id="2" name="Tijdelijke aanduiding voor dia-afbeelding 1"/>
+          <p:cNvSpPr>
+            <a:spLocks noGrp="1" noRot="1" noChangeAspect="1"/>
+          </p:cNvSpPr>
+          <p:nvPr>
+            <p:ph type="sldImg"/>
+          </p:nvPr>
+        </p:nvSpPr>
+        <p:spPr/>
+      </p:sp>
+      <p:sp>
+        <p:nvSpPr>
+          <p:cNvPr id="3" name="Tijdelijke aanduiding voor notities 2"/>
+          <p:cNvSpPr>
+            <a:spLocks noGrp="1"/>
+          </p:cNvSpPr>
+          <p:nvPr>
+            <p:ph type="body" idx="1"/>
+          </p:nvPr>
+        </p:nvSpPr>
+        <p:spPr/>
+        <p:txBody>
+          <a:bodyPr/>
+          <a:lstStyle/>
+          <a:p>
+            <a:r>
+              <a:rPr lang="nl-BE" dirty="0"/>
+              <a:t>Geen project zonder een prototype uiteraard, dus dit was dan ook onze eerste opdracht. Met Maker </a:t>
+            </a:r>
+            <a:r>
+              <a:rPr lang="nl-BE" dirty="0" err="1"/>
+              <a:t>Beams</a:t>
+            </a:r>
+            <a:r>
+              <a:rPr lang="nl-BE" dirty="0"/>
+              <a:t> maakten we een hefboomsysteem na. Via een motortje en een ovaalvormig ei dat we 3D printten konden we het prototype laten stuiteren.</a:t>
+            </a:r>
+          </a:p>
+        </p:txBody>
+      </p:sp>
+      <p:sp>
+        <p:nvSpPr>
+          <p:cNvPr id="4" name="Tijdelijke aanduiding voor dianummer 3"/>
+          <p:cNvSpPr>
+            <a:spLocks noGrp="1"/>
+          </p:cNvSpPr>
+          <p:nvPr>
+            <p:ph type="sldNum" sz="quarter" idx="5"/>
+          </p:nvPr>
+        </p:nvSpPr>
+        <p:spPr/>
+        <p:txBody>
+          <a:bodyPr/>
+          <a:lstStyle/>
+          <a:p>
+            <a:pPr rtl="0"/>
+            <a:fld id="{62B46F2B-1084-40BA-9F0A-B1F6847335C5}" type="slidenum">
+              <a:rPr lang="fr-FR" noProof="0" smtClean="0"/>
+              <a:t>3</a:t>
+            </a:fld>
+            <a:endParaRPr lang="fr-FR" noProof="0"/>
+          </a:p>
+        </p:txBody>
+      </p:sp>
+    </p:spTree>
+    <p:extLst>
+      <p:ext uri="{BB962C8B-B14F-4D97-AF65-F5344CB8AC3E}">
+        <p14:creationId xmlns:p14="http://schemas.microsoft.com/office/powerpoint/2010/main" val="2611662488"/>
+      </p:ext>
+    </p:extLst>
+  </p:cSld>
+  <p:clrMapOvr>
+    <a:masterClrMapping/>
+  </p:clrMapOvr>
+</p:notes>
+</file>
+
 <file path=ppt/slideLayouts/slideLayout1.xml><?xml version="1.0" encoding="utf-8"?>
 <p:sldLayout xmlns:a="http://schemas.openxmlformats.org/drawingml/2006/main" xmlns:r="http://schemas.openxmlformats.org/officeDocument/2006/relationships" xmlns:p="http://schemas.openxmlformats.org/presentationml/2006/main" showMasterSp="0" type="title" preserve="1">
   <p:cSld name="Diapositive de titre">
@@ -1949,7 +2134,7 @@
             <a:pPr rtl="0"/>
             <a:fld id="{BA129467-258B-4441-9B2F-A080CFB411B7}" type="datetime1">
               <a:rPr lang="fr-FR" noProof="0" smtClean="0"/>
-              <a:t>16/02/2023</a:t>
+              <a:t>09/03/2023</a:t>
             </a:fld>
             <a:endParaRPr lang="fr-FR" noProof="0"/>
           </a:p>
@@ -2186,7 +2371,7 @@
             <a:pPr rtl="0"/>
             <a:fld id="{96A069A3-0D4F-45EE-946B-D837B6ADCEC4}" type="datetime1">
               <a:rPr lang="fr-FR" noProof="0" smtClean="0"/>
-              <a:t>16/02/2023</a:t>
+              <a:t>09/03/2023</a:t>
             </a:fld>
             <a:endParaRPr lang="fr-FR" noProof="0"/>
           </a:p>
@@ -2364,7 +2549,7 @@
             <a:pPr rtl="0"/>
             <a:fld id="{DE61B7F7-055E-4A54-BACE-5E45A6C2E442}" type="datetime1">
               <a:rPr lang="fr-FR" noProof="0" smtClean="0"/>
-              <a:t>16/02/2023</a:t>
+              <a:t>09/03/2023</a:t>
             </a:fld>
             <a:endParaRPr lang="fr-FR" noProof="0"/>
           </a:p>
@@ -2532,7 +2717,7 @@
             <a:pPr rtl="0"/>
             <a:fld id="{B6E2E277-A776-4BF7-9CCA-C156DCBAB9CB}" type="datetime1">
               <a:rPr lang="fr-FR" noProof="0" smtClean="0"/>
-              <a:t>16/02/2023</a:t>
+              <a:t>09/03/2023</a:t>
             </a:fld>
             <a:endParaRPr lang="fr-FR" noProof="0"/>
           </a:p>
@@ -2807,7 +2992,7 @@
             <a:pPr rtl="0"/>
             <a:fld id="{A73A7AAE-E083-4E87-9643-E124EFA5CC1D}" type="datetime1">
               <a:rPr lang="fr-FR" noProof="0" smtClean="0"/>
-              <a:t>16/02/2023</a:t>
+              <a:t>09/03/2023</a:t>
             </a:fld>
             <a:endParaRPr lang="fr-FR" noProof="0"/>
           </a:p>
@@ -4006,7 +4191,7 @@
             <a:pPr rtl="0"/>
             <a:fld id="{94FC0805-944E-46C7-B46D-163A150E891A}" type="datetime1">
               <a:rPr lang="fr-FR" noProof="0" smtClean="0"/>
-              <a:t>16/02/2023</a:t>
+              <a:t>09/03/2023</a:t>
             </a:fld>
             <a:endParaRPr lang="fr-FR" noProof="0"/>
           </a:p>
@@ -4393,7 +4578,7 @@
             <a:pPr rtl="0"/>
             <a:fld id="{3A339FA5-C09C-47E6-B36B-795BCA6A9029}" type="datetime1">
               <a:rPr lang="fr-FR" noProof="0" smtClean="0"/>
-              <a:t>16/02/2023</a:t>
+              <a:t>09/03/2023</a:t>
             </a:fld>
             <a:endParaRPr lang="fr-FR" noProof="0"/>
           </a:p>
@@ -4515,7 +4700,7 @@
             <a:pPr rtl="0"/>
             <a:fld id="{99437622-C5A0-4638-8F2F-06E5991807F0}" type="datetime1">
               <a:rPr lang="fr-FR" noProof="0" smtClean="0"/>
-              <a:t>16/02/2023</a:t>
+              <a:t>09/03/2023</a:t>
             </a:fld>
             <a:endParaRPr lang="fr-FR" noProof="0"/>
           </a:p>
@@ -4608,7 +4793,7 @@
             <a:pPr rtl="0"/>
             <a:fld id="{793AA977-64B2-483C-84AD-235DB63A58AB}" type="datetime1">
               <a:rPr lang="fr-FR" noProof="0" smtClean="0"/>
-              <a:t>16/02/2023</a:t>
+              <a:t>09/03/2023</a:t>
             </a:fld>
             <a:endParaRPr lang="fr-FR" noProof="0"/>
           </a:p>
@@ -5369,7 +5554,7 @@
             <a:pPr rtl="0"/>
             <a:fld id="{1A02019A-50FA-4864-9989-C5BA2B9DC06C}" type="datetime1">
               <a:rPr lang="fr-FR" noProof="0" smtClean="0"/>
-              <a:t>16/02/2023</a:t>
+              <a:t>09/03/2023</a:t>
             </a:fld>
             <a:endParaRPr lang="fr-FR" noProof="0"/>
           </a:p>
@@ -6208,7 +6393,7 @@
             <a:pPr rtl="0"/>
             <a:fld id="{25F55077-5A8F-442F-AB5A-6480324EF100}" type="datetime1">
               <a:rPr lang="fr-FR" noProof="0" smtClean="0"/>
-              <a:t>16/02/2023</a:t>
+              <a:t>09/03/2023</a:t>
             </a:fld>
             <a:endParaRPr lang="fr-FR" noProof="0"/>
           </a:p>
@@ -6432,7 +6617,7 @@
             <a:pPr rtl="0"/>
             <a:fld id="{6CBF3019-4F04-4476-AD0C-1B371B6A9B46}" type="datetime1">
               <a:rPr lang="fr-FR" noProof="0" smtClean="0"/>
-              <a:t>16/02/2023</a:t>
+              <a:t>09/03/2023</a:t>
             </a:fld>
             <a:endParaRPr lang="fr-FR" noProof="0"/>
           </a:p>
@@ -7544,9 +7729,10 @@
               <a:rPr lang="fr-FR" sz="9600" dirty="0"/>
             </a:br>
             <a:r>
-              <a:rPr lang="fr-FR" sz="9600" dirty="0"/>
-              <a:t>taxi</a:t>
+              <a:rPr lang="fr-FR" sz="9600" dirty="0" err="1"/>
+              <a:t>TAxi</a:t>
             </a:r>
+            <a:endParaRPr lang="fr-FR" sz="9600" dirty="0"/>
           </a:p>
         </p:txBody>
       </p:sp>
@@ -8845,7 +9031,7 @@
           <p:cNvPr id="2" name="Titel 1">
             <a:extLst>
               <a:ext uri="{FF2B5EF4-FFF2-40B4-BE49-F238E27FC236}">
-                <a16:creationId xmlns:a16="http://schemas.microsoft.com/office/drawing/2014/main" id="{B6023C4C-5099-4586-C0FF-BA083B89BCCA}"/>
+                <a16:creationId xmlns:a16="http://schemas.microsoft.com/office/drawing/2014/main" id="{552123FB-2100-0BD7-F069-80926F01D007}"/>
               </a:ext>
             </a:extLst>
           </p:cNvPr>
@@ -8863,8 +9049,13 @@
           <a:p>
             <a:r>
               <a:rPr lang="nl-BE" dirty="0"/>
-              <a:t>probleem?</a:t>
+              <a:t>Project </a:t>
             </a:r>
+            <a:r>
+              <a:rPr lang="nl-BE" dirty="0" err="1"/>
+              <a:t>TAxi</a:t>
+            </a:r>
+            <a:endParaRPr lang="nl-BE" dirty="0"/>
           </a:p>
         </p:txBody>
       </p:sp>
@@ -8873,7 +9064,7 @@
           <p:cNvPr id="3" name="Tijdelijke aanduiding voor inhoud 2">
             <a:extLst>
               <a:ext uri="{FF2B5EF4-FFF2-40B4-BE49-F238E27FC236}">
-                <a16:creationId xmlns:a16="http://schemas.microsoft.com/office/drawing/2014/main" id="{C02B9ECD-A44D-E2CA-C7DB-BB6B11F30381}"/>
+                <a16:creationId xmlns:a16="http://schemas.microsoft.com/office/drawing/2014/main" id="{022E2498-75E1-B343-0CE8-783319869FA3}"/>
               </a:ext>
             </a:extLst>
           </p:cNvPr>
@@ -8891,24 +9082,109 @@
           <a:p>
             <a:r>
               <a:rPr lang="nl-BE" dirty="0"/>
-              <a:t>Escape room in filmthema</a:t>
+              <a:t>Bewegen van taxi op achterwielen en speakers implementeren</a:t>
             </a:r>
-          </a:p>
-          <a:p>
-            <a:r>
-              <a:rPr lang="nl-BE" dirty="0"/>
-              <a:t>Taxi met licht- en geluidseffecten</a:t>
-            </a:r>
-          </a:p>
-          <a:p>
-            <a:endParaRPr lang="nl-BE" dirty="0"/>
           </a:p>
         </p:txBody>
       </p:sp>
+      <p:pic>
+        <p:nvPicPr>
+          <p:cNvPr id="2050" name="Picture 2" descr="Taxi (1998 film) - Wikipedia">
+            <a:extLst>
+              <a:ext uri="{FF2B5EF4-FFF2-40B4-BE49-F238E27FC236}">
+                <a16:creationId xmlns:a16="http://schemas.microsoft.com/office/drawing/2014/main" id="{3A4805A5-F1AF-7D79-AD34-C695DE4AF776}"/>
+              </a:ext>
+            </a:extLst>
+          </p:cNvPr>
+          <p:cNvPicPr>
+            <a:picLocks noChangeAspect="1" noChangeArrowheads="1"/>
+          </p:cNvPicPr>
+          <p:nvPr/>
+        </p:nvPicPr>
+        <p:blipFill>
+          <a:blip r:embed="rId3">
+            <a:extLst>
+              <a:ext uri="{28A0092B-C50C-407E-A947-70E740481C1C}">
+                <a14:useLocalDpi xmlns:a14="http://schemas.microsoft.com/office/drawing/2010/main" val="0"/>
+              </a:ext>
+            </a:extLst>
+          </a:blip>
+          <a:srcRect/>
+          <a:stretch>
+            <a:fillRect/>
+          </a:stretch>
+        </p:blipFill>
+        <p:spPr bwMode="auto">
+          <a:xfrm>
+            <a:off x="8702198" y="497011"/>
+            <a:ext cx="2333625" cy="3857625"/>
+          </a:xfrm>
+          <a:prstGeom prst="rect">
+            <a:avLst/>
+          </a:prstGeom>
+          <a:noFill/>
+          <a:extLst>
+            <a:ext uri="{909E8E84-426E-40DD-AFC4-6F175D3DCCD1}">
+              <a14:hiddenFill xmlns:a14="http://schemas.microsoft.com/office/drawing/2010/main">
+                <a:solidFill>
+                  <a:srgbClr val="FFFFFF"/>
+                </a:solidFill>
+              </a14:hiddenFill>
+            </a:ext>
+          </a:extLst>
+        </p:spPr>
+      </p:pic>
+      <p:pic>
+        <p:nvPicPr>
+          <p:cNvPr id="2052" name="Picture 4" descr="Voorbeeld van afbeelding">
+            <a:extLst>
+              <a:ext uri="{FF2B5EF4-FFF2-40B4-BE49-F238E27FC236}">
+                <a16:creationId xmlns:a16="http://schemas.microsoft.com/office/drawing/2014/main" id="{861B5A9F-FE27-F3C2-13B6-0D2BA4517B0E}"/>
+              </a:ext>
+            </a:extLst>
+          </p:cNvPr>
+          <p:cNvPicPr>
+            <a:picLocks noChangeAspect="1" noChangeArrowheads="1"/>
+          </p:cNvPicPr>
+          <p:nvPr/>
+        </p:nvPicPr>
+        <p:blipFill>
+          <a:blip r:embed="rId4">
+            <a:extLst>
+              <a:ext uri="{28A0092B-C50C-407E-A947-70E740481C1C}">
+                <a14:useLocalDpi xmlns:a14="http://schemas.microsoft.com/office/drawing/2010/main" val="0"/>
+              </a:ext>
+            </a:extLst>
+          </a:blip>
+          <a:srcRect/>
+          <a:stretch>
+            <a:fillRect/>
+          </a:stretch>
+        </p:blipFill>
+        <p:spPr bwMode="auto">
+          <a:xfrm>
+            <a:off x="1830880" y="3168395"/>
+            <a:ext cx="5324522" cy="2566035"/>
+          </a:xfrm>
+          <a:prstGeom prst="rect">
+            <a:avLst/>
+          </a:prstGeom>
+          <a:noFill/>
+          <a:extLst>
+            <a:ext uri="{909E8E84-426E-40DD-AFC4-6F175D3DCCD1}">
+              <a14:hiddenFill xmlns:a14="http://schemas.microsoft.com/office/drawing/2010/main">
+                <a:solidFill>
+                  <a:srgbClr val="FFFFFF"/>
+                </a:solidFill>
+              </a14:hiddenFill>
+            </a:ext>
+          </a:extLst>
+        </p:spPr>
+      </p:pic>
     </p:spTree>
     <p:extLst>
       <p:ext uri="{BB962C8B-B14F-4D97-AF65-F5344CB8AC3E}">
-        <p14:creationId xmlns:p14="http://schemas.microsoft.com/office/powerpoint/2010/main" val="720910680"/>
+        <p14:creationId xmlns:p14="http://schemas.microsoft.com/office/powerpoint/2010/main" val="2085757618"/>
       </p:ext>
     </p:extLst>
   </p:cSld>
@@ -8919,6 +9195,89 @@
 </file>
 
 <file path=ppt/slides/slide3.xml><?xml version="1.0" encoding="utf-8"?>
+<p:sld xmlns:a="http://schemas.openxmlformats.org/drawingml/2006/main" xmlns:r="http://schemas.openxmlformats.org/officeDocument/2006/relationships" xmlns:p="http://schemas.openxmlformats.org/presentationml/2006/main">
+  <p:cSld>
+    <p:spTree>
+      <p:nvGrpSpPr>
+        <p:cNvPr id="1" name=""/>
+        <p:cNvGrpSpPr/>
+        <p:nvPr/>
+      </p:nvGrpSpPr>
+      <p:grpSpPr>
+        <a:xfrm>
+          <a:off x="0" y="0"/>
+          <a:ext cx="0" cy="0"/>
+          <a:chOff x="0" y="0"/>
+          <a:chExt cx="0" cy="0"/>
+        </a:xfrm>
+      </p:grpSpPr>
+      <p:sp>
+        <p:nvSpPr>
+          <p:cNvPr id="2" name="Titel 1">
+            <a:extLst>
+              <a:ext uri="{FF2B5EF4-FFF2-40B4-BE49-F238E27FC236}">
+                <a16:creationId xmlns:a16="http://schemas.microsoft.com/office/drawing/2014/main" id="{E2B8D03D-99B3-B670-E0E5-463EF91DDB82}"/>
+              </a:ext>
+            </a:extLst>
+          </p:cNvPr>
+          <p:cNvSpPr>
+            <a:spLocks noGrp="1"/>
+          </p:cNvSpPr>
+          <p:nvPr>
+            <p:ph type="title"/>
+          </p:nvPr>
+        </p:nvSpPr>
+        <p:spPr/>
+        <p:txBody>
+          <a:bodyPr/>
+          <a:lstStyle/>
+          <a:p>
+            <a:r>
+              <a:rPr lang="nl-BE" dirty="0"/>
+              <a:t>Prototype</a:t>
+            </a:r>
+          </a:p>
+        </p:txBody>
+      </p:sp>
+      <p:sp>
+        <p:nvSpPr>
+          <p:cNvPr id="3" name="Tijdelijke aanduiding voor inhoud 2">
+            <a:extLst>
+              <a:ext uri="{FF2B5EF4-FFF2-40B4-BE49-F238E27FC236}">
+                <a16:creationId xmlns:a16="http://schemas.microsoft.com/office/drawing/2014/main" id="{6B1CA039-BB98-AC91-9DC1-5F9758D585D7}"/>
+              </a:ext>
+            </a:extLst>
+          </p:cNvPr>
+          <p:cNvSpPr>
+            <a:spLocks noGrp="1"/>
+          </p:cNvSpPr>
+          <p:nvPr>
+            <p:ph idx="1"/>
+          </p:nvPr>
+        </p:nvSpPr>
+        <p:spPr/>
+        <p:txBody>
+          <a:bodyPr/>
+          <a:lstStyle/>
+          <a:p>
+            <a:endParaRPr lang="nl-BE" dirty="0"/>
+          </a:p>
+        </p:txBody>
+      </p:sp>
+    </p:spTree>
+    <p:extLst>
+      <p:ext uri="{BB962C8B-B14F-4D97-AF65-F5344CB8AC3E}">
+        <p14:creationId xmlns:p14="http://schemas.microsoft.com/office/powerpoint/2010/main" val="2281329450"/>
+      </p:ext>
+    </p:extLst>
+  </p:cSld>
+  <p:clrMapOvr>
+    <a:masterClrMapping/>
+  </p:clrMapOvr>
+</p:sld>
+</file>
+
+<file path=ppt/slides/slide4.xml><?xml version="1.0" encoding="utf-8"?>
 <p:sld xmlns:a="http://schemas.openxmlformats.org/drawingml/2006/main" xmlns:r="http://schemas.openxmlformats.org/officeDocument/2006/relationships" xmlns:p="http://schemas.openxmlformats.org/presentationml/2006/main">
   <p:cSld>
     <p:spTree>
@@ -9022,7 +9381,7 @@
 </p:sld>
 </file>
 
-<file path=ppt/slides/slide4.xml><?xml version="1.0" encoding="utf-8"?>
+<file path=ppt/slides/slide5.xml><?xml version="1.0" encoding="utf-8"?>
 <p:sld xmlns:a="http://schemas.openxmlformats.org/drawingml/2006/main" xmlns:r="http://schemas.openxmlformats.org/officeDocument/2006/relationships" xmlns:p="http://schemas.openxmlformats.org/presentationml/2006/main">
   <p:cSld>
     <p:spTree>

--- a/School presentatie/Escape_room_taxi_projectxp.pptx
+++ b/School presentatie/Escape_room_taxi_projectxp.pptx
@@ -5,17 +5,16 @@
     <p:sldMasterId id="2147483648" r:id="rId4"/>
   </p:sldMasterIdLst>
   <p:notesMasterIdLst>
-    <p:notesMasterId r:id="rId10"/>
+    <p:notesMasterId r:id="rId9"/>
   </p:notesMasterIdLst>
   <p:handoutMasterIdLst>
-    <p:handoutMasterId r:id="rId11"/>
+    <p:handoutMasterId r:id="rId10"/>
   </p:handoutMasterIdLst>
   <p:sldIdLst>
     <p:sldId id="267" r:id="rId5"/>
     <p:sldId id="271" r:id="rId6"/>
     <p:sldId id="272" r:id="rId7"/>
     <p:sldId id="269" r:id="rId8"/>
-    <p:sldId id="270" r:id="rId9"/>
   </p:sldIdLst>
   <p:sldSz cx="12192000" cy="6858000"/>
   <p:notesSz cx="6858000" cy="9144000"/>
@@ -209,7 +208,7 @@
             <a:pPr rtl="0"/>
             <a:fld id="{4D5CBF20-8CAD-468D-A237-30B793FCDFFC}" type="datetime1">
               <a:rPr lang="fr-FR" smtClean="0"/>
-              <a:t>09/03/2023</a:t>
+              <a:t>15/03/2023</a:t>
             </a:fld>
             <a:endParaRPr lang="fr-FR"/>
           </a:p>
@@ -379,7 +378,7 @@
             <a:pPr rtl="0"/>
             <a:fld id="{5E6097B8-5A5F-4934-BCE0-7D20EB7D9BD6}" type="datetime1">
               <a:rPr lang="fr-FR" noProof="0" smtClean="0"/>
-              <a:t>09/03/2023</a:t>
+              <a:t>15/03/2023</a:t>
             </a:fld>
             <a:endParaRPr lang="fr-FR" noProof="0"/>
           </a:p>
@@ -780,10 +779,7 @@
           <a:bodyPr/>
           <a:lstStyle/>
           <a:p>
-            <a:r>
-              <a:rPr lang="nl-BE" dirty="0"/>
-              <a:t>Het eerste project waar we aan werkten is de taxi. De bedoeling was dat deze taxi op een aangegeven moment begin te stuiteren op zijn achterwielen, te toeteren en begint te knipperen met de lichten. </a:t>
-            </a:r>
+            <a:endParaRPr lang="nl-BE" dirty="0"/>
           </a:p>
         </p:txBody>
       </p:sp>
@@ -868,18 +864,7 @@
           <a:bodyPr/>
           <a:lstStyle/>
           <a:p>
-            <a:r>
-              <a:rPr lang="nl-BE" dirty="0"/>
-              <a:t>Geen project zonder een prototype uiteraard, dus dit was dan ook onze eerste opdracht. Met Maker </a:t>
-            </a:r>
-            <a:r>
-              <a:rPr lang="nl-BE" dirty="0" err="1"/>
-              <a:t>Beams</a:t>
-            </a:r>
-            <a:r>
-              <a:rPr lang="nl-BE" dirty="0"/>
-              <a:t> maakten we een hefboomsysteem na. Via een motortje en een ovaalvormig ei dat we 3D printten konden we het prototype laten stuiteren.</a:t>
-            </a:r>
+            <a:endParaRPr lang="nl-BE" dirty="0"/>
           </a:p>
         </p:txBody>
       </p:sp>
@@ -2134,7 +2119,7 @@
             <a:pPr rtl="0"/>
             <a:fld id="{BA129467-258B-4441-9B2F-A080CFB411B7}" type="datetime1">
               <a:rPr lang="fr-FR" noProof="0" smtClean="0"/>
-              <a:t>09/03/2023</a:t>
+              <a:t>15/03/2023</a:t>
             </a:fld>
             <a:endParaRPr lang="fr-FR" noProof="0"/>
           </a:p>
@@ -2371,7 +2356,7 @@
             <a:pPr rtl="0"/>
             <a:fld id="{96A069A3-0D4F-45EE-946B-D837B6ADCEC4}" type="datetime1">
               <a:rPr lang="fr-FR" noProof="0" smtClean="0"/>
-              <a:t>09/03/2023</a:t>
+              <a:t>15/03/2023</a:t>
             </a:fld>
             <a:endParaRPr lang="fr-FR" noProof="0"/>
           </a:p>
@@ -2549,7 +2534,7 @@
             <a:pPr rtl="0"/>
             <a:fld id="{DE61B7F7-055E-4A54-BACE-5E45A6C2E442}" type="datetime1">
               <a:rPr lang="fr-FR" noProof="0" smtClean="0"/>
-              <a:t>09/03/2023</a:t>
+              <a:t>15/03/2023</a:t>
             </a:fld>
             <a:endParaRPr lang="fr-FR" noProof="0"/>
           </a:p>
@@ -2717,7 +2702,7 @@
             <a:pPr rtl="0"/>
             <a:fld id="{B6E2E277-A776-4BF7-9CCA-C156DCBAB9CB}" type="datetime1">
               <a:rPr lang="fr-FR" noProof="0" smtClean="0"/>
-              <a:t>09/03/2023</a:t>
+              <a:t>15/03/2023</a:t>
             </a:fld>
             <a:endParaRPr lang="fr-FR" noProof="0"/>
           </a:p>
@@ -2992,7 +2977,7 @@
             <a:pPr rtl="0"/>
             <a:fld id="{A73A7AAE-E083-4E87-9643-E124EFA5CC1D}" type="datetime1">
               <a:rPr lang="fr-FR" noProof="0" smtClean="0"/>
-              <a:t>09/03/2023</a:t>
+              <a:t>15/03/2023</a:t>
             </a:fld>
             <a:endParaRPr lang="fr-FR" noProof="0"/>
           </a:p>
@@ -4191,7 +4176,7 @@
             <a:pPr rtl="0"/>
             <a:fld id="{94FC0805-944E-46C7-B46D-163A150E891A}" type="datetime1">
               <a:rPr lang="fr-FR" noProof="0" smtClean="0"/>
-              <a:t>09/03/2023</a:t>
+              <a:t>15/03/2023</a:t>
             </a:fld>
             <a:endParaRPr lang="fr-FR" noProof="0"/>
           </a:p>
@@ -4578,7 +4563,7 @@
             <a:pPr rtl="0"/>
             <a:fld id="{3A339FA5-C09C-47E6-B36B-795BCA6A9029}" type="datetime1">
               <a:rPr lang="fr-FR" noProof="0" smtClean="0"/>
-              <a:t>09/03/2023</a:t>
+              <a:t>15/03/2023</a:t>
             </a:fld>
             <a:endParaRPr lang="fr-FR" noProof="0"/>
           </a:p>
@@ -4700,7 +4685,7 @@
             <a:pPr rtl="0"/>
             <a:fld id="{99437622-C5A0-4638-8F2F-06E5991807F0}" type="datetime1">
               <a:rPr lang="fr-FR" noProof="0" smtClean="0"/>
-              <a:t>09/03/2023</a:t>
+              <a:t>15/03/2023</a:t>
             </a:fld>
             <a:endParaRPr lang="fr-FR" noProof="0"/>
           </a:p>
@@ -4793,7 +4778,7 @@
             <a:pPr rtl="0"/>
             <a:fld id="{793AA977-64B2-483C-84AD-235DB63A58AB}" type="datetime1">
               <a:rPr lang="fr-FR" noProof="0" smtClean="0"/>
-              <a:t>09/03/2023</a:t>
+              <a:t>15/03/2023</a:t>
             </a:fld>
             <a:endParaRPr lang="fr-FR" noProof="0"/>
           </a:p>
@@ -5554,7 +5539,7 @@
             <a:pPr rtl="0"/>
             <a:fld id="{1A02019A-50FA-4864-9989-C5BA2B9DC06C}" type="datetime1">
               <a:rPr lang="fr-FR" noProof="0" smtClean="0"/>
-              <a:t>09/03/2023</a:t>
+              <a:t>15/03/2023</a:t>
             </a:fld>
             <a:endParaRPr lang="fr-FR" noProof="0"/>
           </a:p>
@@ -6393,7 +6378,7 @@
             <a:pPr rtl="0"/>
             <a:fld id="{25F55077-5A8F-442F-AB5A-6480324EF100}" type="datetime1">
               <a:rPr lang="fr-FR" noProof="0" smtClean="0"/>
-              <a:t>09/03/2023</a:t>
+              <a:t>15/03/2023</a:t>
             </a:fld>
             <a:endParaRPr lang="fr-FR" noProof="0"/>
           </a:p>
@@ -6617,7 +6602,7 @@
             <a:pPr rtl="0"/>
             <a:fld id="{6CBF3019-4F04-4476-AD0C-1B371B6A9B46}" type="datetime1">
               <a:rPr lang="fr-FR" noProof="0" smtClean="0"/>
-              <a:t>09/03/2023</a:t>
+              <a:t>15/03/2023</a:t>
             </a:fld>
             <a:endParaRPr lang="fr-FR" noProof="0"/>
           </a:p>
@@ -9234,7 +9219,7 @@
           <a:p>
             <a:r>
               <a:rPr lang="nl-BE" dirty="0"/>
-              <a:t>Prototype</a:t>
+              <a:t>Prototype scharniersysteem</a:t>
             </a:r>
           </a:p>
         </p:txBody>
@@ -9260,10 +9245,91 @@
           <a:bodyPr/>
           <a:lstStyle/>
           <a:p>
+            <a:r>
+              <a:rPr lang="nl-BE" dirty="0"/>
+              <a:t>Scharniersysteem met maker </a:t>
+            </a:r>
+            <a:r>
+              <a:rPr lang="nl-BE" dirty="0" err="1"/>
+              <a:t>beams</a:t>
+            </a:r>
+            <a:endParaRPr lang="nl-BE" dirty="0"/>
+          </a:p>
+          <a:p>
+            <a:r>
+              <a:rPr lang="nl-BE" dirty="0"/>
+              <a:t>Stappenmotor aangestuurd via </a:t>
+            </a:r>
+            <a:r>
+              <a:rPr lang="nl-BE" dirty="0" err="1"/>
+              <a:t>Arduino</a:t>
+            </a:r>
+            <a:endParaRPr lang="nl-BE" dirty="0"/>
+          </a:p>
+          <a:p>
+            <a:r>
+              <a:rPr lang="nl-BE" dirty="0"/>
+              <a:t>3D geprinte ovaalvorm </a:t>
+            </a:r>
+          </a:p>
+          <a:p>
+            <a:r>
+              <a:rPr lang="nl-BE" dirty="0"/>
+              <a:t>=&gt; probleem: eerst ander bordje uit 3D-printer met weinig info</a:t>
+            </a:r>
+          </a:p>
+          <a:p>
             <a:endParaRPr lang="nl-BE" dirty="0"/>
           </a:p>
         </p:txBody>
       </p:sp>
+      <p:pic>
+        <p:nvPicPr>
+          <p:cNvPr id="1026" name="Picture 2">
+            <a:extLst>
+              <a:ext uri="{FF2B5EF4-FFF2-40B4-BE49-F238E27FC236}">
+                <a16:creationId xmlns:a16="http://schemas.microsoft.com/office/drawing/2014/main" id="{940E7E82-4850-CFE5-1E87-6BB0D270AD4E}"/>
+              </a:ext>
+            </a:extLst>
+          </p:cNvPr>
+          <p:cNvPicPr>
+            <a:picLocks noChangeAspect="1" noChangeArrowheads="1"/>
+          </p:cNvPicPr>
+          <p:nvPr/>
+        </p:nvPicPr>
+        <p:blipFill>
+          <a:blip r:embed="rId3">
+            <a:extLst>
+              <a:ext uri="{28A0092B-C50C-407E-A947-70E740481C1C}">
+                <a14:useLocalDpi xmlns:a14="http://schemas.microsoft.com/office/drawing/2010/main" val="0"/>
+              </a:ext>
+            </a:extLst>
+          </a:blip>
+          <a:srcRect/>
+          <a:stretch>
+            <a:fillRect/>
+          </a:stretch>
+        </p:blipFill>
+        <p:spPr bwMode="auto">
+          <a:xfrm>
+            <a:off x="7631840" y="2948633"/>
+            <a:ext cx="3798160" cy="3342443"/>
+          </a:xfrm>
+          <a:prstGeom prst="rect">
+            <a:avLst/>
+          </a:prstGeom>
+          <a:noFill/>
+          <a:extLst>
+            <a:ext uri="{909E8E84-426E-40DD-AFC4-6F175D3DCCD1}">
+              <a14:hiddenFill xmlns:a14="http://schemas.microsoft.com/office/drawing/2010/main">
+                <a:solidFill>
+                  <a:srgbClr val="FFFFFF"/>
+                </a:solidFill>
+              </a14:hiddenFill>
+            </a:ext>
+          </a:extLst>
+        </p:spPr>
+      </p:pic>
     </p:spTree>
     <p:extLst>
       <p:ext uri="{BB962C8B-B14F-4D97-AF65-F5344CB8AC3E}">
@@ -9317,7 +9383,7 @@
           <a:p>
             <a:r>
               <a:rPr lang="nl-BE" dirty="0"/>
-              <a:t>Hoe?</a:t>
+              <a:t>Prototype speakers</a:t>
             </a:r>
           </a:p>
         </p:txBody>
@@ -9343,28 +9409,7 @@
           <a:bodyPr/>
           <a:lstStyle/>
           <a:p>
-            <a:r>
-              <a:rPr lang="nl-BE" dirty="0"/>
-              <a:t>Materialen</a:t>
-            </a:r>
-          </a:p>
-          <a:p>
-            <a:r>
-              <a:rPr lang="nl-BE" dirty="0"/>
-              <a:t>Auto</a:t>
-            </a:r>
-          </a:p>
-          <a:p>
-            <a:r>
-              <a:rPr lang="nl-BE" dirty="0"/>
-              <a:t>ESP</a:t>
-            </a:r>
-          </a:p>
-          <a:p>
-            <a:r>
-              <a:rPr lang="nl-BE" dirty="0"/>
-              <a:t>Programmeren </a:t>
-            </a:r>
+            <a:endParaRPr lang="nl-BE" dirty="0"/>
           </a:p>
         </p:txBody>
       </p:sp>
@@ -9372,86 +9417,6 @@
     <p:extLst>
       <p:ext uri="{BB962C8B-B14F-4D97-AF65-F5344CB8AC3E}">
         <p14:creationId xmlns:p14="http://schemas.microsoft.com/office/powerpoint/2010/main" val="840168691"/>
-      </p:ext>
-    </p:extLst>
-  </p:cSld>
-  <p:clrMapOvr>
-    <a:masterClrMapping/>
-  </p:clrMapOvr>
-</p:sld>
-</file>
-
-<file path=ppt/slides/slide5.xml><?xml version="1.0" encoding="utf-8"?>
-<p:sld xmlns:a="http://schemas.openxmlformats.org/drawingml/2006/main" xmlns:r="http://schemas.openxmlformats.org/officeDocument/2006/relationships" xmlns:p="http://schemas.openxmlformats.org/presentationml/2006/main">
-  <p:cSld>
-    <p:spTree>
-      <p:nvGrpSpPr>
-        <p:cNvPr id="1" name=""/>
-        <p:cNvGrpSpPr/>
-        <p:nvPr/>
-      </p:nvGrpSpPr>
-      <p:grpSpPr>
-        <a:xfrm>
-          <a:off x="0" y="0"/>
-          <a:ext cx="0" cy="0"/>
-          <a:chOff x="0" y="0"/>
-          <a:chExt cx="0" cy="0"/>
-        </a:xfrm>
-      </p:grpSpPr>
-      <p:sp>
-        <p:nvSpPr>
-          <p:cNvPr id="2" name="Titel 1">
-            <a:extLst>
-              <a:ext uri="{FF2B5EF4-FFF2-40B4-BE49-F238E27FC236}">
-                <a16:creationId xmlns:a16="http://schemas.microsoft.com/office/drawing/2014/main" id="{41787210-6366-6771-AED3-F96D7D6E1F72}"/>
-              </a:ext>
-            </a:extLst>
-          </p:cNvPr>
-          <p:cNvSpPr>
-            <a:spLocks noGrp="1"/>
-          </p:cNvSpPr>
-          <p:nvPr>
-            <p:ph type="title"/>
-          </p:nvPr>
-        </p:nvSpPr>
-        <p:spPr/>
-        <p:txBody>
-          <a:bodyPr/>
-          <a:lstStyle/>
-          <a:p>
-            <a:endParaRPr lang="nl-BE" dirty="0"/>
-          </a:p>
-        </p:txBody>
-      </p:sp>
-      <p:sp>
-        <p:nvSpPr>
-          <p:cNvPr id="3" name="Tijdelijke aanduiding voor inhoud 2">
-            <a:extLst>
-              <a:ext uri="{FF2B5EF4-FFF2-40B4-BE49-F238E27FC236}">
-                <a16:creationId xmlns:a16="http://schemas.microsoft.com/office/drawing/2014/main" id="{6C75DB7C-7197-A222-4621-EF226400A008}"/>
-              </a:ext>
-            </a:extLst>
-          </p:cNvPr>
-          <p:cNvSpPr>
-            <a:spLocks noGrp="1"/>
-          </p:cNvSpPr>
-          <p:nvPr>
-            <p:ph idx="1"/>
-          </p:nvPr>
-        </p:nvSpPr>
-        <p:spPr/>
-        <p:txBody>
-          <a:bodyPr/>
-          <a:lstStyle/>
-          <a:p>
-            <a:endParaRPr lang="nl-BE"/>
-          </a:p>
-        </p:txBody>
-      </p:sp>
-    </p:spTree>
-    <p:extLst>
-      <p:ext uri="{BB962C8B-B14F-4D97-AF65-F5344CB8AC3E}">
-        <p14:creationId xmlns:p14="http://schemas.microsoft.com/office/powerpoint/2010/main" val="3797683473"/>
       </p:ext>
     </p:extLst>
   </p:cSld>
@@ -10286,6 +10251,15 @@
 </file>
 
 <file path=customXml/item2.xml><?xml version="1.0" encoding="utf-8"?>
+<?mso-contentType ?>
+<FormTemplates xmlns="http://schemas.microsoft.com/sharepoint/v3/contenttype/forms">
+  <Display>DocumentLibraryForm</Display>
+  <Edit>DocumentLibraryForm</Edit>
+  <New>DocumentLibraryForm</New>
+</FormTemplates>
+</file>
+
+<file path=customXml/item3.xml><?xml version="1.0" encoding="utf-8"?>
 <ct:contentTypeSchema xmlns:ct="http://schemas.microsoft.com/office/2006/metadata/contentType" xmlns:ma="http://schemas.microsoft.com/office/2006/metadata/properties/metaAttributes" ct:_="" ma:_="" ma:contentTypeName="Document" ma:contentTypeID="0x01010079F111ED35F8CC479449609E8A0923A6" ma:contentTypeVersion="11" ma:contentTypeDescription="Create a new document." ma:contentTypeScope="" ma:versionID="9677210f24a1be23c92c90fd886aa0aa">
   <xsd:schema xmlns:xsd="http://www.w3.org/2001/XMLSchema" xmlns:xs="http://www.w3.org/2001/XMLSchema" xmlns:p="http://schemas.microsoft.com/office/2006/metadata/properties" xmlns:ns2="71af3243-3dd4-4a8d-8c0d-dd76da1f02a5" xmlns:ns3="16c05727-aa75-4e4a-9b5f-8a80a1165891" targetNamespace="http://schemas.microsoft.com/office/2006/metadata/properties" ma:root="true" ma:fieldsID="60e05723c5c1908df1a1a4ebf11d344e" ns2:_="" ns3:_="">
     <xsd:import namespace="71af3243-3dd4-4a8d-8c0d-dd76da1f02a5"/>
@@ -10496,15 +10470,6 @@
 </ct:contentTypeSchema>
 </file>
 
-<file path=customXml/item3.xml><?xml version="1.0" encoding="utf-8"?>
-<?mso-contentType ?>
-<FormTemplates xmlns="http://schemas.microsoft.com/sharepoint/v3/contenttype/forms">
-  <Display>DocumentLibraryForm</Display>
-  <Edit>DocumentLibraryForm</Edit>
-  <New>DocumentLibraryForm</New>
-</FormTemplates>
-</file>
-
 <file path=customXml/itemProps1.xml><?xml version="1.0" encoding="utf-8"?>
 <ds:datastoreItem xmlns:ds="http://schemas.openxmlformats.org/officeDocument/2006/customXml" ds:itemID="{055D5C12-9048-448D-A69C-F00736C0732E}">
   <ds:schemaRefs>
@@ -10516,6 +10481,14 @@
 </file>
 
 <file path=customXml/itemProps2.xml><?xml version="1.0" encoding="utf-8"?>
+<ds:datastoreItem xmlns:ds="http://schemas.openxmlformats.org/officeDocument/2006/customXml" ds:itemID="{032C9D10-CA80-4BC9-9D59-B4B9486E9328}">
+  <ds:schemaRefs>
+    <ds:schemaRef ds:uri="http://schemas.microsoft.com/sharepoint/v3/contenttype/forms"/>
+  </ds:schemaRefs>
+</ds:datastoreItem>
+</file>
+
+<file path=customXml/itemProps3.xml><?xml version="1.0" encoding="utf-8"?>
 <ds:datastoreItem xmlns:ds="http://schemas.openxmlformats.org/officeDocument/2006/customXml" ds:itemID="{DD0DBFED-7AB5-403D-9982-F81C20C3F5BA}">
   <ds:schemaRefs>
     <ds:schemaRef ds:uri="http://schemas.microsoft.com/office/2006/metadata/contentType"/>
@@ -10532,12 +10505,4 @@
     <ds:schemaRef ds:uri="http://schemas.microsoft.com/internal/obd"/>
   </ds:schemaRefs>
 </ds:datastoreItem>
-</file>
-
-<file path=customXml/itemProps3.xml><?xml version="1.0" encoding="utf-8"?>
-<ds:datastoreItem xmlns:ds="http://schemas.openxmlformats.org/officeDocument/2006/customXml" ds:itemID="{032C9D10-CA80-4BC9-9D59-B4B9486E9328}">
-  <ds:schemaRefs>
-    <ds:schemaRef ds:uri="http://schemas.microsoft.com/sharepoint/v3/contenttype/forms"/>
-  </ds:schemaRefs>
-</ds:datastoreItem>
 </file>